--- a/大数据怎么存？/展示ppt.pptx
+++ b/大数据怎么存？/展示ppt.pptx
@@ -6094,6 +6094,35 @@
           </a:fontRef>
         </p:style>
       </p:cxnSp>
+      <p:sp>
+        <p:nvSpPr>
+          <p:cNvPr id="2" name="文本框 1"/>
+          <p:cNvSpPr txBox="1"/>
+          <p:nvPr/>
+        </p:nvSpPr>
+        <p:spPr>
+          <a:xfrm>
+            <a:off x="8742045" y="3982720"/>
+            <a:ext cx="1783080" cy="368300"/>
+          </a:xfrm>
+          <a:prstGeom prst="rect">
+            <a:avLst/>
+          </a:prstGeom>
+          <a:noFill/>
+        </p:spPr>
+        <p:txBody>
+          <a:bodyPr wrap="none" rtlCol="0">
+            <a:spAutoFit/>
+          </a:bodyPr>
+          <a:p>
+            <a:r>
+              <a:rPr lang="zh-CN" altLang="en-US"/>
+              <a:t>汇报人：周秀俊</a:t>
+            </a:r>
+            <a:endParaRPr lang="zh-CN" altLang="en-US"/>
+          </a:p>
+        </p:txBody>
+      </p:sp>
     </p:spTree>
   </p:cSld>
   <p:clrMapOvr>
